--- a/語音壓縮_期末專題.pptx
+++ b/語音壓縮_期末專題.pptx
@@ -285,7 +285,7 @@
           <a:p>
             <a:fld id="{4E1439F1-975B-49CB-AB94-67AE0F51C852}" type="datetimeFigureOut">
               <a:rPr lang="zh-TW" altLang="en-US" smtClean="0"/>
-              <a:t>2022/1/18</a:t>
+              <a:t>2022/5/21</a:t>
             </a:fld>
             <a:endParaRPr lang="zh-TW" altLang="en-US"/>
           </a:p>
@@ -513,7 +513,7 @@
           <a:p>
             <a:fld id="{4E1439F1-975B-49CB-AB94-67AE0F51C852}" type="datetimeFigureOut">
               <a:rPr lang="zh-TW" altLang="en-US" smtClean="0"/>
-              <a:t>2022/1/18</a:t>
+              <a:t>2022/5/21</a:t>
             </a:fld>
             <a:endParaRPr lang="zh-TW" altLang="en-US"/>
           </a:p>
@@ -693,7 +693,7 @@
           <a:p>
             <a:fld id="{4E1439F1-975B-49CB-AB94-67AE0F51C852}" type="datetimeFigureOut">
               <a:rPr lang="zh-TW" altLang="en-US" smtClean="0"/>
-              <a:t>2022/1/18</a:t>
+              <a:t>2022/5/21</a:t>
             </a:fld>
             <a:endParaRPr lang="zh-TW" altLang="en-US"/>
           </a:p>
@@ -863,7 +863,7 @@
           <a:p>
             <a:fld id="{4E1439F1-975B-49CB-AB94-67AE0F51C852}" type="datetimeFigureOut">
               <a:rPr lang="zh-TW" altLang="en-US" smtClean="0"/>
-              <a:t>2022/1/18</a:t>
+              <a:t>2022/5/21</a:t>
             </a:fld>
             <a:endParaRPr lang="zh-TW" altLang="en-US"/>
           </a:p>
@@ -1117,7 +1117,7 @@
           <a:p>
             <a:fld id="{4E1439F1-975B-49CB-AB94-67AE0F51C852}" type="datetimeFigureOut">
               <a:rPr lang="zh-TW" altLang="en-US" smtClean="0"/>
-              <a:t>2022/1/18</a:t>
+              <a:t>2022/5/21</a:t>
             </a:fld>
             <a:endParaRPr lang="zh-TW" altLang="en-US"/>
           </a:p>
@@ -1443,7 +1443,7 @@
           <a:p>
             <a:fld id="{4E1439F1-975B-49CB-AB94-67AE0F51C852}" type="datetimeFigureOut">
               <a:rPr lang="zh-TW" altLang="en-US" smtClean="0"/>
-              <a:t>2022/1/18</a:t>
+              <a:t>2022/5/21</a:t>
             </a:fld>
             <a:endParaRPr lang="zh-TW" altLang="en-US"/>
           </a:p>
@@ -1894,7 +1894,7 @@
           <a:p>
             <a:fld id="{4E1439F1-975B-49CB-AB94-67AE0F51C852}" type="datetimeFigureOut">
               <a:rPr lang="zh-TW" altLang="en-US" smtClean="0"/>
-              <a:t>2022/1/18</a:t>
+              <a:t>2022/5/21</a:t>
             </a:fld>
             <a:endParaRPr lang="zh-TW" altLang="en-US"/>
           </a:p>
@@ -2012,7 +2012,7 @@
           <a:p>
             <a:fld id="{4E1439F1-975B-49CB-AB94-67AE0F51C852}" type="datetimeFigureOut">
               <a:rPr lang="zh-TW" altLang="en-US" smtClean="0"/>
-              <a:t>2022/1/18</a:t>
+              <a:t>2022/5/21</a:t>
             </a:fld>
             <a:endParaRPr lang="zh-TW" altLang="en-US"/>
           </a:p>
@@ -2107,7 +2107,7 @@
           <a:p>
             <a:fld id="{4E1439F1-975B-49CB-AB94-67AE0F51C852}" type="datetimeFigureOut">
               <a:rPr lang="zh-TW" altLang="en-US" smtClean="0"/>
-              <a:t>2022/1/18</a:t>
+              <a:t>2022/5/21</a:t>
             </a:fld>
             <a:endParaRPr lang="zh-TW" altLang="en-US"/>
           </a:p>
@@ -2394,7 +2394,7 @@
           <a:p>
             <a:fld id="{4E1439F1-975B-49CB-AB94-67AE0F51C852}" type="datetimeFigureOut">
               <a:rPr lang="zh-TW" altLang="en-US" smtClean="0"/>
-              <a:t>2022/1/18</a:t>
+              <a:t>2022/5/21</a:t>
             </a:fld>
             <a:endParaRPr lang="zh-TW" altLang="en-US"/>
           </a:p>
@@ -2716,7 +2716,7 @@
           <a:p>
             <a:fld id="{4E1439F1-975B-49CB-AB94-67AE0F51C852}" type="datetimeFigureOut">
               <a:rPr lang="zh-TW" altLang="en-US" smtClean="0"/>
-              <a:t>2022/1/18</a:t>
+              <a:t>2022/5/21</a:t>
             </a:fld>
             <a:endParaRPr lang="zh-TW" altLang="en-US"/>
           </a:p>
@@ -2970,7 +2970,7 @@
           <a:p>
             <a:fld id="{4E1439F1-975B-49CB-AB94-67AE0F51C852}" type="datetimeFigureOut">
               <a:rPr lang="zh-TW" altLang="en-US" smtClean="0"/>
-              <a:t>2022/1/18</a:t>
+              <a:t>2022/5/21</a:t>
             </a:fld>
             <a:endParaRPr lang="zh-TW" altLang="en-US"/>
           </a:p>
@@ -4465,11 +4465,11 @@
           <a:p>
             <a:pPr algn="ctr"/>
             <a:r>
-              <a:rPr lang="zh-TW" altLang="en-US" dirty="0">
-                <a:latin typeface="華康硬黑體W7" panose="020B0709000000000000" pitchFamily="49" charset="-120"/>
-                <a:ea typeface="華康硬黑體W7" panose="020B0709000000000000" pitchFamily="49" charset="-120"/>
-              </a:rPr>
-              <a:t>主程式</a:t>
+              <a:rPr lang="en-US" altLang="zh-TW" dirty="0">
+                <a:latin typeface="華康硬黑體W7" panose="020B0709000000000000" pitchFamily="49" charset="-120"/>
+                <a:ea typeface="華康硬黑體W7" panose="020B0709000000000000" pitchFamily="49" charset="-120"/>
+              </a:rPr>
+              <a:t>Main</a:t>
             </a:r>
           </a:p>
         </p:txBody>
@@ -4522,16 +4522,12 @@
           <a:p>
             <a:pPr algn="ctr"/>
             <a:r>
-              <a:rPr lang="zh-TW" altLang="en-US" dirty="0">
-                <a:latin typeface="華康硬黑體W7" panose="020B0709000000000000" pitchFamily="49" charset="-120"/>
-                <a:ea typeface="華康硬黑體W7" panose="020B0709000000000000" pitchFamily="49" charset="-120"/>
-              </a:rPr>
-              <a:t>遊戲操作</a:t>
-            </a:r>
-            <a:endParaRPr lang="en-US" altLang="zh-TW" dirty="0">
-              <a:latin typeface="華康硬黑體W7" panose="020B0709000000000000" pitchFamily="49" charset="-120"/>
-              <a:ea typeface="華康硬黑體W7" panose="020B0709000000000000" pitchFamily="49" charset="-120"/>
-            </a:endParaRPr>
+              <a:rPr lang="en-US" altLang="zh-TW" dirty="0">
+                <a:latin typeface="華康硬黑體W7" panose="020B0709000000000000" pitchFamily="49" charset="-120"/>
+                <a:ea typeface="華康硬黑體W7" panose="020B0709000000000000" pitchFamily="49" charset="-120"/>
+              </a:rPr>
+              <a:t>Game</a:t>
+            </a:r>
           </a:p>
           <a:p>
             <a:pPr algn="ctr"/>
@@ -4597,18 +4593,11 @@
           <a:p>
             <a:pPr algn="ctr"/>
             <a:r>
-              <a:rPr lang="zh-TW" altLang="en-US" dirty="0">
-                <a:latin typeface="華康硬黑體W7" panose="020B0709000000000000" pitchFamily="49" charset="-120"/>
-                <a:ea typeface="華康硬黑體W7" panose="020B0709000000000000" pitchFamily="49" charset="-120"/>
-              </a:rPr>
-              <a:t>控制聲音的</a:t>
-            </a:r>
-            <a:r>
               <a:rPr lang="en-US" altLang="zh-TW" dirty="0">
                 <a:latin typeface="華康硬黑體W7" panose="020B0709000000000000" pitchFamily="49" charset="-120"/>
                 <a:ea typeface="華康硬黑體W7" panose="020B0709000000000000" pitchFamily="49" charset="-120"/>
               </a:rPr>
-              <a:t>Class</a:t>
+              <a:t>Audio Class</a:t>
             </a:r>
             <a:endParaRPr lang="zh-TW" altLang="en-US" dirty="0">
               <a:latin typeface="華康硬黑體W7" panose="020B0709000000000000" pitchFamily="49" charset="-120"/>
@@ -4671,12 +4660,15 @@
                 <a:latin typeface="華康硬黑體W7" panose="020B0709000000000000" pitchFamily="49" charset="-120"/>
                 <a:ea typeface="華康硬黑體W7" panose="020B0709000000000000" pitchFamily="49" charset="-120"/>
               </a:rPr>
-              <a:t>物件</a:t>
-            </a:r>
-            <a:endParaRPr lang="en-US" altLang="zh-TW" dirty="0">
-              <a:latin typeface="華康硬黑體W7" panose="020B0709000000000000" pitchFamily="49" charset="-120"/>
-              <a:ea typeface="華康硬黑體W7" panose="020B0709000000000000" pitchFamily="49" charset="-120"/>
-            </a:endParaRPr>
+              <a:t> </a:t>
+            </a:r>
+            <a:r>
+              <a:rPr lang="en-US" altLang="zh-TW" dirty="0">
+                <a:latin typeface="華康硬黑體W7" panose="020B0709000000000000" pitchFamily="49" charset="-120"/>
+                <a:ea typeface="華康硬黑體W7" panose="020B0709000000000000" pitchFamily="49" charset="-120"/>
+              </a:rPr>
+              <a:t>Object</a:t>
+            </a:r>
           </a:p>
         </p:txBody>
       </p:sp>
@@ -4734,8 +4726,19 @@
                 <a:latin typeface="華康硬黑體W7" panose="020B0709000000000000" pitchFamily="49" charset="-120"/>
                 <a:ea typeface="華康硬黑體W7" panose="020B0709000000000000" pitchFamily="49" charset="-120"/>
               </a:rPr>
-              <a:t> 物件</a:t>
-            </a:r>
+              <a:t> </a:t>
+            </a:r>
+            <a:r>
+              <a:rPr lang="en-US" altLang="zh-TW" dirty="0">
+                <a:latin typeface="華康硬黑體W7" panose="020B0709000000000000" pitchFamily="49" charset="-120"/>
+                <a:ea typeface="華康硬黑體W7" panose="020B0709000000000000" pitchFamily="49" charset="-120"/>
+              </a:rPr>
+              <a:t>Object</a:t>
+            </a:r>
+            <a:endParaRPr lang="zh-TW" altLang="en-US" dirty="0">
+              <a:latin typeface="華康硬黑體W7" panose="020B0709000000000000" pitchFamily="49" charset="-120"/>
+              <a:ea typeface="華康硬黑體W7" panose="020B0709000000000000" pitchFamily="49" charset="-120"/>
+            </a:endParaRPr>
           </a:p>
         </p:txBody>
       </p:sp>
@@ -4807,7 +4810,21 @@
                 <a:latin typeface="華康硬黑體W7" panose="020B0709000000000000" pitchFamily="49" charset="-120"/>
                 <a:ea typeface="華康硬黑體W7" panose="020B0709000000000000" pitchFamily="49" charset="-120"/>
               </a:rPr>
-              <a:t> 物件 </a:t>
+              <a:t> </a:t>
+            </a:r>
+            <a:r>
+              <a:rPr lang="en-US" altLang="zh-TW" dirty="0">
+                <a:latin typeface="華康硬黑體W7" panose="020B0709000000000000" pitchFamily="49" charset="-120"/>
+                <a:ea typeface="華康硬黑體W7" panose="020B0709000000000000" pitchFamily="49" charset="-120"/>
+              </a:rPr>
+              <a:t>Object</a:t>
+            </a:r>
+            <a:r>
+              <a:rPr lang="zh-TW" altLang="en-US" dirty="0">
+                <a:latin typeface="華康硬黑體W7" panose="020B0709000000000000" pitchFamily="49" charset="-120"/>
+                <a:ea typeface="華康硬黑體W7" panose="020B0709000000000000" pitchFamily="49" charset="-120"/>
+              </a:rPr>
+              <a:t> </a:t>
             </a:r>
           </a:p>
         </p:txBody>
@@ -4855,25 +4872,11 @@
           <a:p>
             <a:pPr algn="ctr"/>
             <a:r>
-              <a:rPr lang="zh-TW" altLang="en-US" dirty="0">
-                <a:latin typeface="華康硬黑體W7" panose="020B0709000000000000" pitchFamily="49" charset="-120"/>
-                <a:ea typeface="華康硬黑體W7" panose="020B0709000000000000" pitchFamily="49" charset="-120"/>
-              </a:rPr>
-              <a:t>遊戲本體</a:t>
-            </a:r>
-            <a:endParaRPr lang="en-US" altLang="zh-TW" dirty="0">
-              <a:latin typeface="華康硬黑體W7" panose="020B0709000000000000" pitchFamily="49" charset="-120"/>
-              <a:ea typeface="華康硬黑體W7" panose="020B0709000000000000" pitchFamily="49" charset="-120"/>
-            </a:endParaRPr>
-          </a:p>
-          <a:p>
-            <a:pPr algn="ctr"/>
-            <a:r>
-              <a:rPr lang="zh-TW" altLang="en-US" dirty="0">
-                <a:latin typeface="華康硬黑體W7" panose="020B0709000000000000" pitchFamily="49" charset="-120"/>
-                <a:ea typeface="華康硬黑體W7" panose="020B0709000000000000" pitchFamily="49" charset="-120"/>
-              </a:rPr>
-              <a:t>物件</a:t>
+              <a:rPr lang="en-US" altLang="zh-TW" dirty="0">
+                <a:latin typeface="華康硬黑體W7" panose="020B0709000000000000" pitchFamily="49" charset="-120"/>
+                <a:ea typeface="華康硬黑體W7" panose="020B0709000000000000" pitchFamily="49" charset="-120"/>
+              </a:rPr>
+              <a:t>Game Object</a:t>
             </a:r>
           </a:p>
         </p:txBody>
@@ -4901,7 +4904,10 @@
           <a:prstGeom prst="line">
             <a:avLst/>
           </a:prstGeom>
-          <a:ln w="28575"/>
+          <a:ln w="28575">
+            <a:headEnd type="none" w="med" len="med"/>
+            <a:tailEnd type="triangle" w="med" len="med"/>
+          </a:ln>
         </p:spPr>
         <p:style>
           <a:lnRef idx="1">
@@ -4977,8 +4983,8 @@
         </p:nvSpPr>
         <p:spPr>
           <a:xfrm>
-            <a:off x="6213869" y="3056466"/>
-            <a:ext cx="2492990" cy="1200329"/>
+            <a:off x="6098454" y="3056466"/>
+            <a:ext cx="2723823" cy="1200329"/>
           </a:xfrm>
           <a:prstGeom prst="rect">
             <a:avLst/>
@@ -4993,18 +4999,32 @@
           <a:p>
             <a:pPr algn="ctr"/>
             <a:r>
+              <a:rPr lang="en-US" altLang="zh-TW" dirty="0">
+                <a:latin typeface="華康硬黑體W7" panose="020B0709000000000000" pitchFamily="49" charset="-120"/>
+                <a:ea typeface="華康硬黑體W7" panose="020B0709000000000000" pitchFamily="49" charset="-120"/>
+              </a:rPr>
+              <a:t>Get </a:t>
+            </a:r>
+            <a:r>
+              <a:rPr lang="en-US" altLang="zh-TW" dirty="0" err="1">
+                <a:latin typeface="華康硬黑體W7" panose="020B0709000000000000" pitchFamily="49" charset="-120"/>
+                <a:ea typeface="華康硬黑體W7" panose="020B0709000000000000" pitchFamily="49" charset="-120"/>
+              </a:rPr>
+              <a:t>coin,create</a:t>
+            </a:r>
+            <a:r>
               <a:rPr lang="zh-TW" altLang="en-US" dirty="0">
                 <a:latin typeface="華康硬黑體W7" panose="020B0709000000000000" pitchFamily="49" charset="-120"/>
                 <a:ea typeface="華康硬黑體W7" panose="020B0709000000000000" pitchFamily="49" charset="-120"/>
               </a:rPr>
-              <a:t>吃到金幣，創建</a:t>
+              <a:t> </a:t>
             </a:r>
             <a:r>
               <a:rPr lang="en-US" altLang="zh-TW" dirty="0">
                 <a:latin typeface="華康硬黑體W7" panose="020B0709000000000000" pitchFamily="49" charset="-120"/>
                 <a:ea typeface="華康硬黑體W7" panose="020B0709000000000000" pitchFamily="49" charset="-120"/>
               </a:rPr>
-              <a:t>Thread</a:t>
+              <a:t>thread</a:t>
             </a:r>
           </a:p>
           <a:p>
@@ -5017,16 +5037,12 @@
           <a:p>
             <a:pPr algn="ctr"/>
             <a:r>
-              <a:rPr lang="zh-TW" altLang="en-US" dirty="0">
-                <a:latin typeface="華康硬黑體W7" panose="020B0709000000000000" pitchFamily="49" charset="-120"/>
-                <a:ea typeface="華康硬黑體W7" panose="020B0709000000000000" pitchFamily="49" charset="-120"/>
-              </a:rPr>
-              <a:t>並呼叫</a:t>
-            </a:r>
-            <a:endParaRPr lang="en-US" altLang="zh-TW" dirty="0">
-              <a:latin typeface="華康硬黑體W7" panose="020B0709000000000000" pitchFamily="49" charset="-120"/>
-              <a:ea typeface="華康硬黑體W7" panose="020B0709000000000000" pitchFamily="49" charset="-120"/>
-            </a:endParaRPr>
+              <a:rPr lang="en-US" altLang="zh-TW" dirty="0">
+                <a:latin typeface="華康硬黑體W7" panose="020B0709000000000000" pitchFamily="49" charset="-120"/>
+                <a:ea typeface="華康硬黑體W7" panose="020B0709000000000000" pitchFamily="49" charset="-120"/>
+              </a:rPr>
+              <a:t>And call</a:t>
+            </a:r>
           </a:p>
           <a:p>
             <a:pPr algn="ctr"/>
@@ -5093,8 +5109,8 @@
         </p:nvSpPr>
         <p:spPr>
           <a:xfrm>
-            <a:off x="4334933" y="4319599"/>
-            <a:ext cx="2492990" cy="369332"/>
+            <a:off x="5399963" y="4151467"/>
+            <a:ext cx="1915909" cy="646331"/>
           </a:xfrm>
           <a:prstGeom prst="rect">
             <a:avLst/>
@@ -5108,12 +5124,25 @@
           <a:lstStyle/>
           <a:p>
             <a:r>
-              <a:rPr lang="zh-TW" altLang="en-US" dirty="0">
-                <a:latin typeface="華康硬黑體W7" panose="020B0709000000000000" pitchFamily="49" charset="-120"/>
-                <a:ea typeface="華康硬黑體W7" panose="020B0709000000000000" pitchFamily="49" charset="-120"/>
-              </a:rPr>
-              <a:t>創建執行緒，循環播放</a:t>
-            </a:r>
+              <a:rPr lang="en-US" altLang="zh-TW" dirty="0">
+                <a:latin typeface="華康硬黑體W7" panose="020B0709000000000000" pitchFamily="49" charset="-120"/>
+                <a:ea typeface="華康硬黑體W7" panose="020B0709000000000000" pitchFamily="49" charset="-120"/>
+              </a:rPr>
+              <a:t>Create thread, </a:t>
+            </a:r>
+          </a:p>
+          <a:p>
+            <a:r>
+              <a:rPr lang="en-US" altLang="zh-TW" dirty="0">
+                <a:latin typeface="華康硬黑體W7" panose="020B0709000000000000" pitchFamily="49" charset="-120"/>
+                <a:ea typeface="華康硬黑體W7" panose="020B0709000000000000" pitchFamily="49" charset="-120"/>
+              </a:rPr>
+              <a:t>play BGM loop.</a:t>
+            </a:r>
+            <a:endParaRPr lang="zh-TW" altLang="en-US" dirty="0">
+              <a:latin typeface="華康硬黑體W7" panose="020B0709000000000000" pitchFamily="49" charset="-120"/>
+              <a:ea typeface="華康硬黑體W7" panose="020B0709000000000000" pitchFamily="49" charset="-120"/>
+            </a:endParaRPr>
           </a:p>
         </p:txBody>
       </p:sp>
@@ -5141,18 +5170,23 @@
             <a:avLst/>
           </a:prstGeom>
           <a:ln w="28575">
+            <a:solidFill>
+              <a:schemeClr val="accent2">
+                <a:lumMod val="75000"/>
+              </a:schemeClr>
+            </a:solidFill>
             <a:tailEnd type="triangle"/>
           </a:ln>
         </p:spPr>
         <p:style>
           <a:lnRef idx="1">
-            <a:schemeClr val="accent1"/>
+            <a:schemeClr val="accent2"/>
           </a:lnRef>
           <a:fillRef idx="0">
-            <a:schemeClr val="accent1"/>
+            <a:schemeClr val="accent2"/>
           </a:fillRef>
           <a:effectRef idx="0">
-            <a:schemeClr val="accent1"/>
+            <a:schemeClr val="accent2"/>
           </a:effectRef>
           <a:fontRef idx="minor">
             <a:schemeClr val="tx1"/>
@@ -5183,18 +5217,23 @@
             <a:avLst/>
           </a:prstGeom>
           <a:ln w="28575">
+            <a:solidFill>
+              <a:schemeClr val="accent2">
+                <a:lumMod val="75000"/>
+              </a:schemeClr>
+            </a:solidFill>
             <a:tailEnd type="triangle"/>
           </a:ln>
         </p:spPr>
         <p:style>
           <a:lnRef idx="1">
-            <a:schemeClr val="accent1"/>
+            <a:schemeClr val="accent2"/>
           </a:lnRef>
           <a:fillRef idx="0">
-            <a:schemeClr val="accent1"/>
+            <a:schemeClr val="accent2"/>
           </a:fillRef>
           <a:effectRef idx="0">
-            <a:schemeClr val="accent1"/>
+            <a:schemeClr val="accent2"/>
           </a:effectRef>
           <a:fontRef idx="minor">
             <a:schemeClr val="tx1"/>
@@ -5225,6 +5264,11 @@
             <a:avLst/>
           </a:prstGeom>
           <a:ln w="28575">
+            <a:solidFill>
+              <a:schemeClr val="accent2">
+                <a:lumMod val="75000"/>
+              </a:schemeClr>
+            </a:solidFill>
             <a:tailEnd type="triangle"/>
           </a:ln>
         </p:spPr>
@@ -5264,18 +5308,23 @@
             <a:avLst/>
           </a:prstGeom>
           <a:ln w="28575">
+            <a:solidFill>
+              <a:schemeClr val="accent2">
+                <a:lumMod val="75000"/>
+              </a:schemeClr>
+            </a:solidFill>
             <a:tailEnd type="triangle"/>
           </a:ln>
         </p:spPr>
         <p:style>
           <a:lnRef idx="1">
-            <a:schemeClr val="accent1"/>
+            <a:schemeClr val="accent2"/>
           </a:lnRef>
           <a:fillRef idx="0">
-            <a:schemeClr val="accent1"/>
+            <a:schemeClr val="accent2"/>
           </a:fillRef>
           <a:effectRef idx="0">
-            <a:schemeClr val="accent1"/>
+            <a:schemeClr val="accent2"/>
           </a:effectRef>
           <a:fontRef idx="minor">
             <a:schemeClr val="tx1"/>
@@ -5302,17 +5351,23 @@
           <a:prstGeom prst="line">
             <a:avLst/>
           </a:prstGeom>
-          <a:ln w="28575"/>
+          <a:ln w="28575">
+            <a:solidFill>
+              <a:schemeClr val="accent2">
+                <a:lumMod val="75000"/>
+              </a:schemeClr>
+            </a:solidFill>
+          </a:ln>
         </p:spPr>
         <p:style>
           <a:lnRef idx="1">
-            <a:schemeClr val="accent1"/>
+            <a:schemeClr val="accent2"/>
           </a:lnRef>
           <a:fillRef idx="0">
-            <a:schemeClr val="accent1"/>
+            <a:schemeClr val="accent2"/>
           </a:fillRef>
           <a:effectRef idx="0">
-            <a:schemeClr val="accent1"/>
+            <a:schemeClr val="accent2"/>
           </a:effectRef>
           <a:fontRef idx="minor">
             <a:schemeClr val="tx1"/>
@@ -5341,17 +5396,23 @@
           <a:prstGeom prst="line">
             <a:avLst/>
           </a:prstGeom>
-          <a:ln w="28575"/>
+          <a:ln w="28575">
+            <a:solidFill>
+              <a:schemeClr val="accent2">
+                <a:lumMod val="75000"/>
+              </a:schemeClr>
+            </a:solidFill>
+          </a:ln>
         </p:spPr>
         <p:style>
           <a:lnRef idx="1">
-            <a:schemeClr val="accent1"/>
+            <a:schemeClr val="accent2"/>
           </a:lnRef>
           <a:fillRef idx="0">
-            <a:schemeClr val="accent1"/>
+            <a:schemeClr val="accent2"/>
           </a:fillRef>
           <a:effectRef idx="0">
-            <a:schemeClr val="accent1"/>
+            <a:schemeClr val="accent2"/>
           </a:effectRef>
           <a:fontRef idx="minor">
             <a:schemeClr val="tx1"/>
@@ -5411,8 +5472,8 @@
         </p:nvSpPr>
         <p:spPr>
           <a:xfrm rot="20192206">
-            <a:off x="2599109" y="4179727"/>
-            <a:ext cx="1569660" cy="923330"/>
+            <a:off x="2498875" y="3974221"/>
+            <a:ext cx="2377574" cy="923330"/>
           </a:xfrm>
           <a:prstGeom prst="rect">
             <a:avLst/>
@@ -5445,12 +5506,30 @@
           </a:p>
           <a:p>
             <a:r>
-              <a:rPr lang="zh-TW" altLang="en-US" dirty="0">
-                <a:latin typeface="華康硬黑體W7" panose="020B0709000000000000" pitchFamily="49" charset="-120"/>
-                <a:ea typeface="華康硬黑體W7" panose="020B0709000000000000" pitchFamily="49" charset="-120"/>
-              </a:rPr>
-              <a:t>呼叫結束音效</a:t>
-            </a:r>
+              <a:rPr lang="en-US" altLang="zh-TW" dirty="0">
+                <a:latin typeface="華康硬黑體W7" panose="020B0709000000000000" pitchFamily="49" charset="-120"/>
+                <a:ea typeface="華康硬黑體W7" panose="020B0709000000000000" pitchFamily="49" charset="-120"/>
+              </a:rPr>
+              <a:t>play </a:t>
+            </a:r>
+            <a:r>
+              <a:rPr lang="en-US" altLang="zh-TW" dirty="0" err="1">
+                <a:latin typeface="華康硬黑體W7" panose="020B0709000000000000" pitchFamily="49" charset="-120"/>
+                <a:ea typeface="華康硬黑體W7" panose="020B0709000000000000" pitchFamily="49" charset="-120"/>
+              </a:rPr>
+              <a:t>gameover</a:t>
+            </a:r>
+            <a:r>
+              <a:rPr lang="en-US" altLang="zh-TW" dirty="0">
+                <a:latin typeface="華康硬黑體W7" panose="020B0709000000000000" pitchFamily="49" charset="-120"/>
+                <a:ea typeface="華康硬黑體W7" panose="020B0709000000000000" pitchFamily="49" charset="-120"/>
+              </a:rPr>
+              <a:t> music</a:t>
+            </a:r>
+            <a:endParaRPr lang="zh-TW" altLang="en-US" dirty="0">
+              <a:latin typeface="華康硬黑體W7" panose="020B0709000000000000" pitchFamily="49" charset="-120"/>
+              <a:ea typeface="華康硬黑體W7" panose="020B0709000000000000" pitchFamily="49" charset="-120"/>
+            </a:endParaRPr>
           </a:p>
         </p:txBody>
       </p:sp>
